--- a/ThuyetTrinh/SlideThuyetTrinh.pptx
+++ b/ThuyetTrinh/SlideThuyetTrinh.pptx
@@ -275,7 +275,7 @@
           <a:p>
             <a:fld id="{524C6359-9BB8-4148-8114-537E698DA205}" type="datetime1">
               <a:rPr lang="en-US" smtClean="0"/>
-              <a:t>21/10/2024</a:t>
+              <a:t>22/10/2024</a:t>
             </a:fld>
             <a:endParaRPr lang="en-US" dirty="0"/>
           </a:p>
@@ -1335,7 +1335,7 @@
           <a:p>
             <a:fld id="{A4649BD0-10DB-43E7-8F22-40B3D51B8FC3}" type="datetime1">
               <a:rPr lang="en-US" smtClean="0"/>
-              <a:t>21/10/2024</a:t>
+              <a:t>22/10/2024</a:t>
             </a:fld>
             <a:endParaRPr lang="en-US"/>
           </a:p>
@@ -2396,7 +2396,7 @@
           <a:p>
             <a:fld id="{0A16C79C-F566-427A-93F6-434A4E613134}" type="datetime1">
               <a:rPr lang="en-US" smtClean="0"/>
-              <a:t>21/10/2024</a:t>
+              <a:t>22/10/2024</a:t>
             </a:fld>
             <a:endParaRPr lang="en-US"/>
           </a:p>
@@ -3452,7 +3452,7 @@
           <a:p>
             <a:fld id="{9376191F-481E-48E9-BB9A-369A67A7362D}" type="datetime1">
               <a:rPr lang="en-US" smtClean="0"/>
-              <a:t>21/10/2024</a:t>
+              <a:t>22/10/2024</a:t>
             </a:fld>
             <a:endParaRPr lang="en-US" dirty="0"/>
           </a:p>
@@ -4581,7 +4581,7 @@
           <a:p>
             <a:fld id="{6C5677DE-DD04-48CC-9C18-7BE9FF2DEB6B}" type="datetime1">
               <a:rPr lang="en-US" smtClean="0"/>
-              <a:t>21/10/2024</a:t>
+              <a:t>22/10/2024</a:t>
             </a:fld>
             <a:endParaRPr lang="en-US"/>
           </a:p>
@@ -5700,7 +5700,7 @@
           <a:p>
             <a:fld id="{463255ED-7101-4D18-A8AE-3B5E4CB87EA5}" type="datetime1">
               <a:rPr lang="en-US" smtClean="0"/>
-              <a:t>21/10/2024</a:t>
+              <a:t>22/10/2024</a:t>
             </a:fld>
             <a:endParaRPr lang="en-US"/>
           </a:p>
@@ -7006,7 +7006,7 @@
           <a:p>
             <a:fld id="{CD52F23D-51F6-4C94-8CD5-B9ABBF67EE23}" type="datetime1">
               <a:rPr lang="en-US" smtClean="0"/>
-              <a:t>21/10/2024</a:t>
+              <a:t>22/10/2024</a:t>
             </a:fld>
             <a:endParaRPr lang="en-US"/>
           </a:p>
@@ -7153,7 +7153,7 @@
           <a:p>
             <a:fld id="{D51A702F-6367-4FD1-89A8-3744BE6BA9A2}" type="datetime1">
               <a:rPr lang="en-US" smtClean="0"/>
-              <a:t>21/10/2024</a:t>
+              <a:t>22/10/2024</a:t>
             </a:fld>
             <a:endParaRPr lang="en-US"/>
           </a:p>
@@ -8117,7 +8117,7 @@
           <a:p>
             <a:fld id="{4A6E99BD-4B4F-4460-B452-0E8146ACCF8F}" type="datetime1">
               <a:rPr lang="en-US" smtClean="0"/>
-              <a:t>21/10/2024</a:t>
+              <a:t>22/10/2024</a:t>
             </a:fld>
             <a:endParaRPr lang="en-US"/>
           </a:p>
@@ -8436,7 +8436,7 @@
           <a:p>
             <a:fld id="{EB6FD34C-1867-42A9-AC54-D15ADD8A65E7}" type="datetime1">
               <a:rPr lang="en-US" smtClean="0"/>
-              <a:t>21/10/2024</a:t>
+              <a:t>22/10/2024</a:t>
             </a:fld>
             <a:endParaRPr lang="en-US"/>
           </a:p>
@@ -9584,7 +9584,7 @@
           <a:p>
             <a:fld id="{336133E9-A654-4C17-8C3C-DDCAC83D6EBF}" type="datetime1">
               <a:rPr lang="en-US" smtClean="0"/>
-              <a:t>21/10/2024</a:t>
+              <a:t>22/10/2024</a:t>
             </a:fld>
             <a:endParaRPr lang="en-US"/>
           </a:p>
@@ -11994,7 +11994,7 @@
           <a:p>
             <a:fld id="{8769D389-4C4C-4FD7-9E6B-9F44477F0EB8}" type="datetime1">
               <a:rPr lang="en-US" smtClean="0"/>
-              <a:t>21/10/2024</a:t>
+              <a:t>22/10/2024</a:t>
             </a:fld>
             <a:endParaRPr lang="en-US" dirty="0"/>
           </a:p>
